--- a/Documentation/Игра Dodger Презентация.pptx
+++ b/Documentation/Игра Dodger Презентация.pptx
@@ -112,6 +112,11 @@
       </a:defRPr>
     </a:lvl9pPr>
   </p:defaultTextStyle>
+  <p:extLst>
+    <p:ext uri="{EFAFB233-063F-42B5-8137-9DF3F51BA10A}">
+      <p15:sldGuideLst xmlns:p15="http://schemas.microsoft.com/office/powerpoint/2012/main"/>
+    </p:ext>
+  </p:extLst>
 </p:presentation>
 </file>
 
@@ -5808,6 +5813,13 @@
   <p:clrMapOvr>
     <a:masterClrMapping/>
   </p:clrMapOvr>
+  <p:timing>
+    <p:tnLst>
+      <p:par>
+        <p:cTn id="1" dur="indefinite" restart="never" nodeType="tmRoot"/>
+      </p:par>
+    </p:tnLst>
+  </p:timing>
 </p:sld>
 </file>
 
@@ -5886,6 +5898,13 @@
   <p:clrMapOvr>
     <a:masterClrMapping/>
   </p:clrMapOvr>
+  <p:timing>
+    <p:tnLst>
+      <p:par>
+        <p:cTn id="1" dur="indefinite" restart="never" nodeType="tmRoot"/>
+      </p:par>
+    </p:tnLst>
+  </p:timing>
 </p:sld>
 </file>
 
@@ -5962,6 +5981,13 @@
   <p:clrMapOvr>
     <a:masterClrMapping/>
   </p:clrMapOvr>
+  <p:timing>
+    <p:tnLst>
+      <p:par>
+        <p:cTn id="1" dur="indefinite" restart="never" nodeType="tmRoot"/>
+      </p:par>
+    </p:tnLst>
+  </p:timing>
 </p:sld>
 </file>
 
@@ -6040,6 +6066,13 @@
   <p:clrMapOvr>
     <a:masterClrMapping/>
   </p:clrMapOvr>
+  <p:timing>
+    <p:tnLst>
+      <p:par>
+        <p:cTn id="1" dur="indefinite" restart="never" nodeType="tmRoot"/>
+      </p:par>
+    </p:tnLst>
+  </p:timing>
 </p:sld>
 </file>
 
@@ -6188,6 +6221,13 @@
   <p:clrMapOvr>
     <a:masterClrMapping/>
   </p:clrMapOvr>
+  <p:timing>
+    <p:tnLst>
+      <p:par>
+        <p:cTn id="1" dur="indefinite" restart="never" nodeType="tmRoot"/>
+      </p:par>
+    </p:tnLst>
+  </p:timing>
 </p:sld>
 </file>
 
@@ -6291,6 +6331,13 @@
   <p:clrMapOvr>
     <a:masterClrMapping/>
   </p:clrMapOvr>
+  <p:timing>
+    <p:tnLst>
+      <p:par>
+        <p:cTn id="1" dur="indefinite" restart="never" nodeType="tmRoot"/>
+      </p:par>
+    </p:tnLst>
+  </p:timing>
 </p:sld>
 </file>
 
@@ -6394,6 +6441,13 @@
   <p:clrMapOvr>
     <a:masterClrMapping/>
   </p:clrMapOvr>
+  <p:timing>
+    <p:tnLst>
+      <p:par>
+        <p:cTn id="1" dur="indefinite" restart="never" nodeType="tmRoot"/>
+      </p:par>
+    </p:tnLst>
+  </p:timing>
 </p:sld>
 </file>
 
@@ -6480,6 +6534,13 @@
   <p:clrMapOvr>
     <a:masterClrMapping/>
   </p:clrMapOvr>
+  <p:timing>
+    <p:tnLst>
+      <p:par>
+        <p:cTn id="1" dur="indefinite" restart="never" nodeType="tmRoot"/>
+      </p:par>
+    </p:tnLst>
+  </p:timing>
 </p:sld>
 </file>
 
@@ -6558,6 +6619,13 @@
   <p:clrMapOvr>
     <a:masterClrMapping/>
   </p:clrMapOvr>
+  <p:timing>
+    <p:tnLst>
+      <p:par>
+        <p:cTn id="1" dur="indefinite" restart="never" nodeType="tmRoot"/>
+      </p:par>
+    </p:tnLst>
+  </p:timing>
 </p:sld>
 </file>
 

--- a/Documentation/Игра Dodger Презентация.pptx
+++ b/Documentation/Игра Dodger Презентация.pptx
@@ -6050,7 +6050,15 @@
           <a:p>
             <a:r>
               <a:rPr lang="ru-RU" dirty="0" smtClean="0"/>
-              <a:t>В игре есть 4 меню, главное меню, в котором можно выбрать куда перейти дальше, меню с самой игрой, меню с лучшими результатами всех игроков и меню с кластеризацией корабля, которым играет игрок.</a:t>
+              <a:t>В игре есть 4 меню, главное меню, в котором можно выбрать куда перейти дальше, меню с самой игрой, меню с лучшими результатами всех игроков и меню с </a:t>
+            </a:r>
+            <a:r>
+              <a:rPr lang="ru-RU" dirty="0" smtClean="0"/>
+              <a:t>кастомизацией </a:t>
+            </a:r>
+            <a:r>
+              <a:rPr lang="ru-RU" dirty="0" smtClean="0"/>
+              <a:t>корабля, которым играет игрок.</a:t>
             </a:r>
             <a:endParaRPr lang="ru-RU" dirty="0"/>
           </a:p>
@@ -6145,25 +6153,57 @@
           <a:p>
             <a:r>
               <a:rPr lang="ru-RU" dirty="0"/>
-              <a:t>Первым шагом я хочу создать главное меню игры.</a:t>
-            </a:r>
-          </a:p>
-          <a:p>
+              <a:t>Первым шагом я </a:t>
+            </a:r>
+            <a:r>
+              <a:rPr lang="ru-RU" dirty="0" smtClean="0"/>
+              <a:t>создал главное </a:t>
+            </a:r>
             <a:r>
               <a:rPr lang="ru-RU" dirty="0"/>
-              <a:t>Вторым шагом я хочу создать основное окно с игрой и реализовать появление метеоритов сверху экрана</a:t>
+              <a:t>меню игры.</a:t>
             </a:r>
           </a:p>
           <a:p>
             <a:r>
               <a:rPr lang="ru-RU" dirty="0"/>
-              <a:t>Третьим шагом я хочу реализовать движение игрока по полю и столкновение игрока с метеоритами.</a:t>
-            </a:r>
-          </a:p>
-          <a:p>
+              <a:t>Вторым шагом я </a:t>
+            </a:r>
+            <a:r>
+              <a:rPr lang="ru-RU" dirty="0" smtClean="0"/>
+              <a:t>создал основное </a:t>
+            </a:r>
             <a:r>
               <a:rPr lang="ru-RU" dirty="0"/>
-              <a:t>Четвертым шагом я хочу реализовать подсчет результата игрока, появление экрана </a:t>
+              <a:t>окно с игрой и реализовать появление метеоритов сверху экрана</a:t>
+            </a:r>
+          </a:p>
+          <a:p>
+            <a:r>
+              <a:rPr lang="ru-RU" dirty="0"/>
+              <a:t>Третьим шагом я </a:t>
+            </a:r>
+            <a:r>
+              <a:rPr lang="ru-RU" dirty="0" smtClean="0"/>
+              <a:t>реализовал движение </a:t>
+            </a:r>
+            <a:r>
+              <a:rPr lang="ru-RU" dirty="0"/>
+              <a:t>игрока по полю и столкновение игрока с метеоритами.</a:t>
+            </a:r>
+          </a:p>
+          <a:p>
+            <a:r>
+              <a:rPr lang="ru-RU" dirty="0"/>
+              <a:t>Четвертым шагом я </a:t>
+            </a:r>
+            <a:r>
+              <a:rPr lang="ru-RU" dirty="0" smtClean="0"/>
+              <a:t>реализовал подсчет </a:t>
+            </a:r>
+            <a:r>
+              <a:rPr lang="ru-RU" dirty="0"/>
+              <a:t>результата игрока, появление экрана </a:t>
             </a:r>
             <a:r>
               <a:rPr lang="en-US" dirty="0"/>
@@ -6177,25 +6217,57 @@
           <a:p>
             <a:r>
               <a:rPr lang="ru-RU" dirty="0"/>
-              <a:t>Пятым шагом я хочу создать новое окно, где будет отображаться таблица лидеров, сохраненная в текстовом файле.</a:t>
-            </a:r>
-          </a:p>
-          <a:p>
+              <a:t>Пятым шагом я </a:t>
+            </a:r>
+            <a:r>
+              <a:rPr lang="ru-RU" dirty="0" smtClean="0"/>
+              <a:t>создал новое </a:t>
+            </a:r>
             <a:r>
               <a:rPr lang="ru-RU" dirty="0"/>
-              <a:t>Шестым шагом я создам оригинальные картинки для метеоритов и космического корабля(игрока).</a:t>
+              <a:t>окно, где будет отображаться таблица лидеров, сохраненная в текстовом файле.</a:t>
             </a:r>
           </a:p>
           <a:p>
             <a:r>
               <a:rPr lang="ru-RU" dirty="0"/>
-              <a:t>Седьмым шагом я добавлю различную музыку в различные меню игры.</a:t>
-            </a:r>
-          </a:p>
-          <a:p>
+              <a:t>Шестым шагом я </a:t>
+            </a:r>
+            <a:r>
+              <a:rPr lang="ru-RU" dirty="0" smtClean="0"/>
+              <a:t>создал </a:t>
+            </a:r>
             <a:r>
               <a:rPr lang="ru-RU" dirty="0"/>
-              <a:t>Восьмым шагом я добавлю новое окно, в котором можно будет выбрать </a:t>
+              <a:t>оригинальные картинки для метеоритов и космического корабля(игрока).</a:t>
+            </a:r>
+          </a:p>
+          <a:p>
+            <a:r>
+              <a:rPr lang="ru-RU" dirty="0"/>
+              <a:t>Седьмым шагом я </a:t>
+            </a:r>
+            <a:r>
+              <a:rPr lang="ru-RU" dirty="0" smtClean="0"/>
+              <a:t>добавил </a:t>
+            </a:r>
+            <a:r>
+              <a:rPr lang="ru-RU" dirty="0"/>
+              <a:t>различную музыку в различные меню игры.</a:t>
+            </a:r>
+          </a:p>
+          <a:p>
+            <a:r>
+              <a:rPr lang="ru-RU" dirty="0"/>
+              <a:t>Восьмым шагом я </a:t>
+            </a:r>
+            <a:r>
+              <a:rPr lang="ru-RU" dirty="0" smtClean="0"/>
+              <a:t>добавил </a:t>
+            </a:r>
+            <a:r>
+              <a:rPr lang="ru-RU" dirty="0"/>
+              <a:t>новое окно, в котором можно будет выбрать </a:t>
             </a:r>
             <a:r>
               <a:rPr lang="ru-RU" dirty="0" err="1"/>

--- a/Documentation/Игра Dodger Презентация.pptx
+++ b/Documentation/Игра Dodger Презентация.pptx
@@ -6582,7 +6582,19 @@
           <a:p>
             <a:r>
               <a:rPr lang="ru-RU" dirty="0" smtClean="0"/>
-              <a:t>В бедующем я планирую реализовать возможность игрока стрелять, что бы он мог уничтожать метеориты, а так же появление бонусов для игрока, например</a:t>
+              <a:t>В </a:t>
+            </a:r>
+            <a:r>
+              <a:rPr lang="ru-RU" smtClean="0"/>
+              <a:t>будующем</a:t>
+            </a:r>
+            <a:r>
+              <a:rPr lang="ru-RU" dirty="0" smtClean="0"/>
+              <a:t> </a:t>
+            </a:r>
+            <a:r>
+              <a:rPr lang="ru-RU" dirty="0" smtClean="0"/>
+              <a:t>я планирую реализовать возможность игрока стрелять, что бы он мог уничтожать метеориты, а так же появление бонусов для игрока, например</a:t>
             </a:r>
             <a:r>
               <a:rPr lang="en-US" dirty="0" smtClean="0"/>

--- a/Documentation/Игра Dodger Презентация.pptx
+++ b/Documentation/Игра Dodger Презентация.pptx
@@ -6585,7 +6585,7 @@
               <a:t>В </a:t>
             </a:r>
             <a:r>
-              <a:rPr lang="ru-RU" smtClean="0"/>
+              <a:rPr lang="ru-RU" dirty="0" err="1" smtClean="0"/>
               <a:t>будующем</a:t>
             </a:r>
             <a:r>

--- a/Documentation/Игра Dodger Презентация.pptx
+++ b/Documentation/Игра Dodger Презентация.pptx
@@ -290,7 +290,7 @@
           <a:p>
             <a:fld id="{A3AB3DA2-04EC-4728-A93F-CC29DD2D183D}" type="datetimeFigureOut">
               <a:rPr lang="ru-RU" smtClean="0"/>
-              <a:t>28.01.2022</a:t>
+              <a:t>01.02.2022</a:t>
             </a:fld>
             <a:endParaRPr lang="ru-RU"/>
           </a:p>
@@ -557,7 +557,7 @@
           <a:p>
             <a:fld id="{A3AB3DA2-04EC-4728-A93F-CC29DD2D183D}" type="datetimeFigureOut">
               <a:rPr lang="ru-RU" smtClean="0"/>
-              <a:t>28.01.2022</a:t>
+              <a:t>01.02.2022</a:t>
             </a:fld>
             <a:endParaRPr lang="ru-RU"/>
           </a:p>
@@ -788,7 +788,7 @@
           <a:p>
             <a:fld id="{A3AB3DA2-04EC-4728-A93F-CC29DD2D183D}" type="datetimeFigureOut">
               <a:rPr lang="ru-RU" smtClean="0"/>
-              <a:t>28.01.2022</a:t>
+              <a:t>01.02.2022</a:t>
             </a:fld>
             <a:endParaRPr lang="ru-RU"/>
           </a:p>
@@ -1098,7 +1098,7 @@
           <a:p>
             <a:fld id="{A3AB3DA2-04EC-4728-A93F-CC29DD2D183D}" type="datetimeFigureOut">
               <a:rPr lang="ru-RU" smtClean="0"/>
-              <a:t>28.01.2022</a:t>
+              <a:t>01.02.2022</a:t>
             </a:fld>
             <a:endParaRPr lang="ru-RU"/>
           </a:p>
@@ -1571,7 +1571,7 @@
           <a:p>
             <a:fld id="{A3AB3DA2-04EC-4728-A93F-CC29DD2D183D}" type="datetimeFigureOut">
               <a:rPr lang="ru-RU" smtClean="0"/>
-              <a:t>28.01.2022</a:t>
+              <a:t>01.02.2022</a:t>
             </a:fld>
             <a:endParaRPr lang="ru-RU"/>
           </a:p>
@@ -2118,7 +2118,7 @@
           <a:p>
             <a:fld id="{A3AB3DA2-04EC-4728-A93F-CC29DD2D183D}" type="datetimeFigureOut">
               <a:rPr lang="ru-RU" smtClean="0"/>
-              <a:t>28.01.2022</a:t>
+              <a:t>01.02.2022</a:t>
             </a:fld>
             <a:endParaRPr lang="ru-RU"/>
           </a:p>
@@ -2892,7 +2892,7 @@
           <a:p>
             <a:fld id="{A3AB3DA2-04EC-4728-A93F-CC29DD2D183D}" type="datetimeFigureOut">
               <a:rPr lang="ru-RU" smtClean="0"/>
-              <a:t>28.01.2022</a:t>
+              <a:t>01.02.2022</a:t>
             </a:fld>
             <a:endParaRPr lang="ru-RU"/>
           </a:p>
@@ -3067,7 +3067,7 @@
           <a:p>
             <a:fld id="{A3AB3DA2-04EC-4728-A93F-CC29DD2D183D}" type="datetimeFigureOut">
               <a:rPr lang="ru-RU" smtClean="0"/>
-              <a:t>28.01.2022</a:t>
+              <a:t>01.02.2022</a:t>
             </a:fld>
             <a:endParaRPr lang="ru-RU"/>
           </a:p>
@@ -3290,7 +3290,7 @@
           <a:p>
             <a:fld id="{A3AB3DA2-04EC-4728-A93F-CC29DD2D183D}" type="datetimeFigureOut">
               <a:rPr lang="ru-RU" smtClean="0"/>
-              <a:t>28.01.2022</a:t>
+              <a:t>01.02.2022</a:t>
             </a:fld>
             <a:endParaRPr lang="ru-RU"/>
           </a:p>
@@ -3470,7 +3470,7 @@
           <a:p>
             <a:fld id="{A3AB3DA2-04EC-4728-A93F-CC29DD2D183D}" type="datetimeFigureOut">
               <a:rPr lang="ru-RU" smtClean="0"/>
-              <a:t>28.01.2022</a:t>
+              <a:t>01.02.2022</a:t>
             </a:fld>
             <a:endParaRPr lang="ru-RU"/>
           </a:p>
@@ -3759,7 +3759,7 @@
           <a:p>
             <a:fld id="{A3AB3DA2-04EC-4728-A93F-CC29DD2D183D}" type="datetimeFigureOut">
               <a:rPr lang="ru-RU" smtClean="0"/>
-              <a:t>28.01.2022</a:t>
+              <a:t>01.02.2022</a:t>
             </a:fld>
             <a:endParaRPr lang="ru-RU"/>
           </a:p>
@@ -4001,7 +4001,7 @@
           <a:p>
             <a:fld id="{A3AB3DA2-04EC-4728-A93F-CC29DD2D183D}" type="datetimeFigureOut">
               <a:rPr lang="ru-RU" smtClean="0"/>
-              <a:t>28.01.2022</a:t>
+              <a:t>01.02.2022</a:t>
             </a:fld>
             <a:endParaRPr lang="ru-RU"/>
           </a:p>
@@ -4380,7 +4380,7 @@
           <a:p>
             <a:fld id="{A3AB3DA2-04EC-4728-A93F-CC29DD2D183D}" type="datetimeFigureOut">
               <a:rPr lang="ru-RU" smtClean="0"/>
-              <a:t>28.01.2022</a:t>
+              <a:t>01.02.2022</a:t>
             </a:fld>
             <a:endParaRPr lang="ru-RU"/>
           </a:p>
@@ -4498,7 +4498,7 @@
           <a:p>
             <a:fld id="{A3AB3DA2-04EC-4728-A93F-CC29DD2D183D}" type="datetimeFigureOut">
               <a:rPr lang="ru-RU" smtClean="0"/>
-              <a:t>28.01.2022</a:t>
+              <a:t>01.02.2022</a:t>
             </a:fld>
             <a:endParaRPr lang="ru-RU"/>
           </a:p>
@@ -4593,7 +4593,7 @@
           <a:p>
             <a:fld id="{A3AB3DA2-04EC-4728-A93F-CC29DD2D183D}" type="datetimeFigureOut">
               <a:rPr lang="ru-RU" smtClean="0"/>
-              <a:t>28.01.2022</a:t>
+              <a:t>01.02.2022</a:t>
             </a:fld>
             <a:endParaRPr lang="ru-RU"/>
           </a:p>
@@ -4842,7 +4842,7 @@
           <a:p>
             <a:fld id="{A3AB3DA2-04EC-4728-A93F-CC29DD2D183D}" type="datetimeFigureOut">
               <a:rPr lang="ru-RU" smtClean="0"/>
-              <a:t>28.01.2022</a:t>
+              <a:t>01.02.2022</a:t>
             </a:fld>
             <a:endParaRPr lang="ru-RU"/>
           </a:p>
@@ -5099,7 +5099,7 @@
           <a:p>
             <a:fld id="{A3AB3DA2-04EC-4728-A93F-CC29DD2D183D}" type="datetimeFigureOut">
               <a:rPr lang="ru-RU" smtClean="0"/>
-              <a:t>28.01.2022</a:t>
+              <a:t>01.02.2022</a:t>
             </a:fld>
             <a:endParaRPr lang="ru-RU"/>
           </a:p>
@@ -5342,7 +5342,7 @@
           <a:p>
             <a:fld id="{A3AB3DA2-04EC-4728-A93F-CC29DD2D183D}" type="datetimeFigureOut">
               <a:rPr lang="ru-RU" smtClean="0"/>
-              <a:t>28.01.2022</a:t>
+              <a:t>01.02.2022</a:t>
             </a:fld>
             <a:endParaRPr lang="ru-RU"/>
           </a:p>
@@ -6050,15 +6050,7 @@
           <a:p>
             <a:r>
               <a:rPr lang="ru-RU" dirty="0" smtClean="0"/>
-              <a:t>В игре есть 4 меню, главное меню, в котором можно выбрать куда перейти дальше, меню с самой игрой, меню с лучшими результатами всех игроков и меню с </a:t>
-            </a:r>
-            <a:r>
-              <a:rPr lang="ru-RU" dirty="0" smtClean="0"/>
-              <a:t>кастомизацией </a:t>
-            </a:r>
-            <a:r>
-              <a:rPr lang="ru-RU" dirty="0" smtClean="0"/>
-              <a:t>корабля, которым играет игрок.</a:t>
+              <a:t>В игре есть 4 меню, главное меню, в котором можно выбрать куда перейти дальше, меню с самой игрой, меню с лучшими результатами всех игроков и меню с кастомизацией корабля, которым играет игрок.</a:t>
             </a:r>
             <a:endParaRPr lang="ru-RU" dirty="0"/>
           </a:p>
@@ -6573,7 +6565,12 @@
             <p:ph type="subTitle" idx="1"/>
           </p:nvPr>
         </p:nvSpPr>
-        <p:spPr/>
+        <p:spPr>
+          <a:xfrm>
+            <a:off x="914400" y="3949701"/>
+            <a:ext cx="9448800" cy="685800"/>
+          </a:xfrm>
+        </p:spPr>
         <p:txBody>
           <a:bodyPr>
             <a:normAutofit fontScale="85000" lnSpcReduction="20000"/>
@@ -6590,11 +6587,7 @@
             </a:r>
             <a:r>
               <a:rPr lang="ru-RU" dirty="0" smtClean="0"/>
-              <a:t> </a:t>
-            </a:r>
-            <a:r>
-              <a:rPr lang="ru-RU" dirty="0" smtClean="0"/>
-              <a:t>я планирую реализовать возможность игрока стрелять, что бы он мог уничтожать метеориты, а так же появление бонусов для игрока, например</a:t>
+              <a:t> я планирую реализовать возможность игрока стрелять, что бы он мог уничтожать метеориты, а так же появление бонусов для игрока, например</a:t>
             </a:r>
             <a:r>
               <a:rPr lang="en-US" dirty="0" smtClean="0"/>
